--- a/sprint2workbook/Product Loop 2016-10-20.pptx
+++ b/sprint2workbook/Product Loop 2016-10-20.pptx
@@ -3119,7 +3119,7 @@
             </a:pPr>
             <a:r>
               <a:rPr lang="en-US" sz="1300" b="1" kern="1200" dirty="0"/>
-              <a:t>  [Saving User]</a:t>
+              <a:t>  [Savings User]</a:t>
             </a:r>
             <a:r>
               <a:rPr lang="en-US" sz="1300" kern="1200" dirty="0"/>
@@ -3787,7 +3787,7 @@
             </a:pPr>
             <a:r>
               <a:rPr lang="en-US" sz="1300" b="1" kern="1200" dirty="0"/>
-              <a:t>[Saving User]</a:t>
+              <a:t>[Savings User]</a:t>
             </a:r>
             <a:r>
               <a:rPr lang="en-US" sz="1300" kern="1200" dirty="0"/>
@@ -4018,7 +4018,7 @@
             </a:pPr>
             <a:r>
               <a:rPr lang="en-US" sz="1300" b="1" dirty="0"/>
-              <a:t>[Saving Group Admin]</a:t>
+              <a:t>[Savings Group Admin]</a:t>
             </a:r>
             <a:r>
               <a:rPr lang="en-US" sz="1300" dirty="0"/>
@@ -4080,7 +4080,7 @@
             </a:pPr>
             <a:r>
               <a:rPr lang="en-US" sz="1300" b="1" dirty="0"/>
-              <a:t>[Saving Group Admin]</a:t>
+              <a:t>[Savings Group Admin]</a:t>
             </a:r>
             <a:r>
               <a:rPr lang="en-US" sz="1300" dirty="0"/>
@@ -4238,7 +4238,7 @@
         </p:nvSpPr>
         <p:spPr>
           <a:xfrm>
-            <a:off x="183356" y="1136350"/>
+            <a:off x="172723" y="1168249"/>
             <a:ext cx="228600" cy="228600"/>
           </a:xfrm>
           <a:prstGeom prst="ellipse">
@@ -4291,7 +4291,7 @@
         </p:nvSpPr>
         <p:spPr>
           <a:xfrm>
-            <a:off x="1720048" y="2499015"/>
+            <a:off x="1709415" y="2477749"/>
             <a:ext cx="228600" cy="228600"/>
           </a:xfrm>
           <a:prstGeom prst="ellipse">
@@ -4344,7 +4344,7 @@
         </p:nvSpPr>
         <p:spPr>
           <a:xfrm>
-            <a:off x="4387346" y="2031518"/>
+            <a:off x="4387346" y="2052784"/>
             <a:ext cx="228600" cy="228600"/>
           </a:xfrm>
           <a:prstGeom prst="ellipse">
